--- a/docs/presentacion.pptx
+++ b/docs/presentacion.pptx
@@ -12012,23 +12012,15 @@
           <a:p>
             <a:r>
               <a:rPr lang="es-ES" dirty="0" err="1"/>
-              <a:t>Decision</a:t>
+              <a:t>Support</a:t>
             </a:r>
             <a:r>
               <a:rPr lang="es-ES" dirty="0"/>
-              <a:t> </a:t>
+              <a:t> Vector </a:t>
             </a:r>
             <a:r>
               <a:rPr lang="es-ES" dirty="0" err="1"/>
-              <a:t>tree</a:t>
-            </a:r>
-            <a:r>
-              <a:rPr lang="es-ES" dirty="0"/>
-              <a:t> </a:t>
-            </a:r>
-            <a:r>
-              <a:rPr lang="es-ES" dirty="0" err="1"/>
-              <a:t>classifier</a:t>
+              <a:t>Classifier</a:t>
             </a:r>
             <a:endParaRPr lang="es-ES" dirty="0"/>
           </a:p>
@@ -13688,6 +13680,816 @@
           </a:p>
         </p:txBody>
       </p:sp>
+      <p:sp>
+        <p:nvSpPr>
+          <p:cNvPr id="5" name="CuadroTexto 4">
+            <a:extLst>
+              <a:ext uri="{FF2B5EF4-FFF2-40B4-BE49-F238E27FC236}">
+                <a16:creationId xmlns:a16="http://schemas.microsoft.com/office/drawing/2014/main" id="{4028B3A0-5BB4-BE34-99B8-0DFA2199D6CD}"/>
+              </a:ext>
+            </a:extLst>
+          </p:cNvPr>
+          <p:cNvSpPr txBox="1"/>
+          <p:nvPr/>
+        </p:nvSpPr>
+        <p:spPr>
+          <a:xfrm>
+            <a:off x="428777" y="3429000"/>
+            <a:ext cx="6097554" cy="2862322"/>
+          </a:xfrm>
+          <a:prstGeom prst="rect">
+            <a:avLst/>
+          </a:prstGeom>
+          <a:noFill/>
+        </p:spPr>
+        <p:txBody>
+          <a:bodyPr wrap="square">
+            <a:spAutoFit/>
+          </a:bodyPr>
+          <a:lstStyle/>
+          <a:p>
+            <a:r>
+              <a:rPr lang="es-ES" sz="1200" b="1" dirty="0">
+                <a:solidFill>
+                  <a:schemeClr val="bg1"/>
+                </a:solidFill>
+                <a:effectLst/>
+                <a:latin typeface="+mj-lt"/>
+              </a:rPr>
+              <a:t>Bibliografía:</a:t>
+            </a:r>
+            <a:endParaRPr lang="es-ES" sz="1200" b="0" dirty="0">
+              <a:solidFill>
+                <a:schemeClr val="bg1"/>
+              </a:solidFill>
+              <a:effectLst/>
+              <a:latin typeface="+mj-lt"/>
+            </a:endParaRPr>
+          </a:p>
+          <a:p>
+            <a:br>
+              <a:rPr lang="es-ES" sz="1200" b="0" dirty="0">
+                <a:solidFill>
+                  <a:schemeClr val="bg1"/>
+                </a:solidFill>
+                <a:effectLst/>
+                <a:latin typeface="Consolas" panose="020B0609020204030204" pitchFamily="49" charset="0"/>
+              </a:rPr>
+            </a:br>
+            <a:r>
+              <a:rPr lang="es-ES" sz="1200" b="0" dirty="0">
+                <a:solidFill>
+                  <a:schemeClr val="bg1"/>
+                </a:solidFill>
+                <a:effectLst/>
+              </a:rPr>
+              <a:t>- de la Rosa, Javier; Suárez, Juan Luis. “</a:t>
+            </a:r>
+            <a:r>
+              <a:rPr lang="es-ES" sz="1200" b="0" dirty="0" err="1">
+                <a:solidFill>
+                  <a:schemeClr val="bg1"/>
+                </a:solidFill>
+                <a:effectLst/>
+              </a:rPr>
+              <a:t>The</a:t>
+            </a:r>
+            <a:r>
+              <a:rPr lang="es-ES" sz="1200" b="0" dirty="0">
+                <a:solidFill>
+                  <a:schemeClr val="bg1"/>
+                </a:solidFill>
+                <a:effectLst/>
+              </a:rPr>
+              <a:t> </a:t>
+            </a:r>
+            <a:r>
+              <a:rPr lang="es-ES" sz="1200" b="0" dirty="0" err="1">
+                <a:solidFill>
+                  <a:schemeClr val="bg1"/>
+                </a:solidFill>
+                <a:effectLst/>
+              </a:rPr>
+              <a:t>Life</a:t>
+            </a:r>
+            <a:r>
+              <a:rPr lang="es-ES" sz="1200" b="0" dirty="0">
+                <a:solidFill>
+                  <a:schemeClr val="bg1"/>
+                </a:solidFill>
+                <a:effectLst/>
+              </a:rPr>
+              <a:t> </a:t>
+            </a:r>
+            <a:r>
+              <a:rPr lang="es-ES" sz="1200" b="0" dirty="0" err="1">
+                <a:solidFill>
+                  <a:schemeClr val="bg1"/>
+                </a:solidFill>
+                <a:effectLst/>
+              </a:rPr>
+              <a:t>of</a:t>
+            </a:r>
+            <a:r>
+              <a:rPr lang="es-ES" sz="1200" b="0" dirty="0">
+                <a:solidFill>
+                  <a:schemeClr val="bg1"/>
+                </a:solidFill>
+                <a:effectLst/>
+              </a:rPr>
+              <a:t> Lazarillo de Tormes and </a:t>
+            </a:r>
+            <a:r>
+              <a:rPr lang="es-ES" sz="1200" b="0" dirty="0" err="1">
+                <a:solidFill>
+                  <a:schemeClr val="bg1"/>
+                </a:solidFill>
+                <a:effectLst/>
+              </a:rPr>
+              <a:t>of</a:t>
+            </a:r>
+            <a:r>
+              <a:rPr lang="es-ES" sz="1200" b="0" dirty="0">
+                <a:solidFill>
+                  <a:schemeClr val="bg1"/>
+                </a:solidFill>
+                <a:effectLst/>
+              </a:rPr>
+              <a:t> </a:t>
+            </a:r>
+            <a:r>
+              <a:rPr lang="es-ES" sz="1200" b="0" dirty="0" err="1">
+                <a:solidFill>
+                  <a:schemeClr val="bg1"/>
+                </a:solidFill>
+                <a:effectLst/>
+              </a:rPr>
+              <a:t>His</a:t>
+            </a:r>
+            <a:r>
+              <a:rPr lang="es-ES" sz="1200" b="0" dirty="0">
+                <a:solidFill>
+                  <a:schemeClr val="bg1"/>
+                </a:solidFill>
+                <a:effectLst/>
+              </a:rPr>
+              <a:t> Machine </a:t>
+            </a:r>
+            <a:r>
+              <a:rPr lang="es-ES" sz="1200" b="0" dirty="0" err="1">
+                <a:solidFill>
+                  <a:schemeClr val="bg1"/>
+                </a:solidFill>
+                <a:effectLst/>
+              </a:rPr>
+              <a:t>Learning</a:t>
+            </a:r>
+            <a:r>
+              <a:rPr lang="es-ES" sz="1200" b="0" dirty="0">
+                <a:solidFill>
+                  <a:schemeClr val="bg1"/>
+                </a:solidFill>
+                <a:effectLst/>
+              </a:rPr>
+              <a:t> </a:t>
+            </a:r>
+            <a:r>
+              <a:rPr lang="es-ES" sz="1200" b="0" dirty="0" err="1">
+                <a:solidFill>
+                  <a:schemeClr val="bg1"/>
+                </a:solidFill>
+                <a:effectLst/>
+              </a:rPr>
+              <a:t>Adversities</a:t>
+            </a:r>
+            <a:r>
+              <a:rPr lang="es-ES" sz="1200" b="0" dirty="0">
+                <a:solidFill>
+                  <a:schemeClr val="bg1"/>
+                </a:solidFill>
+                <a:effectLst/>
+              </a:rPr>
+              <a:t>,” </a:t>
+            </a:r>
+            <a:r>
+              <a:rPr lang="es-ES" sz="1200" b="0" i="1" dirty="0" err="1">
+                <a:solidFill>
+                  <a:schemeClr val="bg1"/>
+                </a:solidFill>
+                <a:effectLst/>
+              </a:rPr>
+              <a:t>Lemir</a:t>
+            </a:r>
+            <a:r>
+              <a:rPr lang="es-ES" sz="1200" b="0" dirty="0">
+                <a:solidFill>
+                  <a:schemeClr val="bg1"/>
+                </a:solidFill>
+                <a:effectLst/>
+              </a:rPr>
+              <a:t>, vol. 20 (2016), pp. 373-438, https://dialnet.unirioja.es/servlet/articulo?codigo=5762415. </a:t>
+            </a:r>
+          </a:p>
+          <a:p>
+            <a:endParaRPr lang="es-ES" sz="1200" b="0" dirty="0">
+              <a:solidFill>
+                <a:schemeClr val="bg1"/>
+              </a:solidFill>
+              <a:effectLst/>
+            </a:endParaRPr>
+          </a:p>
+          <a:p>
+            <a:r>
+              <a:rPr lang="es-ES" sz="1200" b="0" dirty="0">
+                <a:solidFill>
+                  <a:schemeClr val="bg1"/>
+                </a:solidFill>
+                <a:effectLst/>
+              </a:rPr>
+              <a:t>- </a:t>
+            </a:r>
+            <a:r>
+              <a:rPr lang="es-ES" sz="1200" b="0" dirty="0" err="1">
+                <a:solidFill>
+                  <a:schemeClr val="bg1"/>
+                </a:solidFill>
+                <a:effectLst/>
+              </a:rPr>
+              <a:t>Laramée</a:t>
+            </a:r>
+            <a:r>
+              <a:rPr lang="es-ES" sz="1200" b="0" dirty="0">
+                <a:solidFill>
+                  <a:schemeClr val="bg1"/>
+                </a:solidFill>
+                <a:effectLst/>
+              </a:rPr>
+              <a:t>, François </a:t>
+            </a:r>
+            <a:r>
+              <a:rPr lang="es-ES" sz="1200" b="0" dirty="0" err="1">
+                <a:solidFill>
+                  <a:schemeClr val="bg1"/>
+                </a:solidFill>
+                <a:effectLst/>
+              </a:rPr>
+              <a:t>Dominic</a:t>
+            </a:r>
+            <a:r>
+              <a:rPr lang="es-ES" sz="1200" b="0" dirty="0">
+                <a:solidFill>
+                  <a:schemeClr val="bg1"/>
+                </a:solidFill>
+                <a:effectLst/>
+              </a:rPr>
+              <a:t>, "</a:t>
+            </a:r>
+            <a:r>
+              <a:rPr lang="es-ES" sz="1200" b="0" dirty="0" err="1">
+                <a:solidFill>
+                  <a:schemeClr val="bg1"/>
+                </a:solidFill>
+                <a:effectLst/>
+              </a:rPr>
+              <a:t>Introduction</a:t>
+            </a:r>
+            <a:r>
+              <a:rPr lang="es-ES" sz="1200" b="0" dirty="0">
+                <a:solidFill>
+                  <a:schemeClr val="bg1"/>
+                </a:solidFill>
+                <a:effectLst/>
+              </a:rPr>
+              <a:t> </a:t>
+            </a:r>
+            <a:r>
+              <a:rPr lang="es-ES" sz="1200" b="0" dirty="0" err="1">
+                <a:solidFill>
+                  <a:schemeClr val="bg1"/>
+                </a:solidFill>
+                <a:effectLst/>
+              </a:rPr>
+              <a:t>to</a:t>
+            </a:r>
+            <a:r>
+              <a:rPr lang="es-ES" sz="1200" b="0" dirty="0">
+                <a:solidFill>
+                  <a:schemeClr val="bg1"/>
+                </a:solidFill>
+                <a:effectLst/>
+              </a:rPr>
+              <a:t> </a:t>
+            </a:r>
+            <a:r>
+              <a:rPr lang="es-ES" sz="1200" b="0" dirty="0" err="1">
+                <a:solidFill>
+                  <a:schemeClr val="bg1"/>
+                </a:solidFill>
+                <a:effectLst/>
+              </a:rPr>
+              <a:t>stylometry</a:t>
+            </a:r>
+            <a:r>
+              <a:rPr lang="es-ES" sz="1200" b="0" dirty="0">
+                <a:solidFill>
+                  <a:schemeClr val="bg1"/>
+                </a:solidFill>
+                <a:effectLst/>
+              </a:rPr>
+              <a:t> </a:t>
+            </a:r>
+            <a:r>
+              <a:rPr lang="es-ES" sz="1200" b="0" dirty="0" err="1">
+                <a:solidFill>
+                  <a:schemeClr val="bg1"/>
+                </a:solidFill>
+                <a:effectLst/>
+              </a:rPr>
+              <a:t>with</a:t>
+            </a:r>
+            <a:r>
+              <a:rPr lang="es-ES" sz="1200" b="0" dirty="0">
+                <a:solidFill>
+                  <a:schemeClr val="bg1"/>
+                </a:solidFill>
+                <a:effectLst/>
+              </a:rPr>
+              <a:t> Python," </a:t>
+            </a:r>
+            <a:r>
+              <a:rPr lang="es-ES" sz="1200" b="0" i="1" dirty="0" err="1">
+                <a:solidFill>
+                  <a:schemeClr val="bg1"/>
+                </a:solidFill>
+                <a:effectLst/>
+              </a:rPr>
+              <a:t>Programming</a:t>
+            </a:r>
+            <a:r>
+              <a:rPr lang="es-ES" sz="1200" b="0" i="1" dirty="0">
+                <a:solidFill>
+                  <a:schemeClr val="bg1"/>
+                </a:solidFill>
+                <a:effectLst/>
+              </a:rPr>
+              <a:t> Historian</a:t>
+            </a:r>
+            <a:r>
+              <a:rPr lang="es-ES" sz="1200" b="0" dirty="0">
+                <a:solidFill>
+                  <a:schemeClr val="bg1"/>
+                </a:solidFill>
+                <a:effectLst/>
+              </a:rPr>
+              <a:t> 7 (2018), </a:t>
+            </a:r>
+            <a:r>
+              <a:rPr lang="es-ES" sz="1200" b="0" dirty="0">
+                <a:solidFill>
+                  <a:schemeClr val="bg1"/>
+                </a:solidFill>
+                <a:effectLst/>
+                <a:hlinkClick r:id="rId2"/>
+              </a:rPr>
+              <a:t>https://doi.org/10.46430/phen0078</a:t>
+            </a:r>
+            <a:r>
+              <a:rPr lang="es-ES" sz="1200" b="0" dirty="0">
+                <a:solidFill>
+                  <a:schemeClr val="bg1"/>
+                </a:solidFill>
+                <a:effectLst/>
+              </a:rPr>
+              <a:t>.</a:t>
+            </a:r>
+          </a:p>
+          <a:p>
+            <a:endParaRPr lang="es-ES" sz="1200" b="0" dirty="0">
+              <a:solidFill>
+                <a:schemeClr val="bg1"/>
+              </a:solidFill>
+              <a:effectLst/>
+            </a:endParaRPr>
+          </a:p>
+          <a:p>
+            <a:r>
+              <a:rPr lang="es-ES" sz="1200" b="0" dirty="0">
+                <a:solidFill>
+                  <a:schemeClr val="bg1"/>
+                </a:solidFill>
+                <a:effectLst/>
+              </a:rPr>
+              <a:t>- Rice, Justin.  “</a:t>
+            </a:r>
+            <a:r>
+              <a:rPr lang="es-ES" sz="1200" b="0" dirty="0" err="1">
+                <a:solidFill>
+                  <a:schemeClr val="bg1"/>
+                </a:solidFill>
+                <a:effectLst/>
+              </a:rPr>
+              <a:t>What</a:t>
+            </a:r>
+            <a:r>
+              <a:rPr lang="es-ES" sz="1200" b="0" dirty="0">
+                <a:solidFill>
+                  <a:schemeClr val="bg1"/>
+                </a:solidFill>
+                <a:effectLst/>
+              </a:rPr>
+              <a:t> </a:t>
+            </a:r>
+            <a:r>
+              <a:rPr lang="es-ES" sz="1200" b="0" dirty="0" err="1">
+                <a:solidFill>
+                  <a:schemeClr val="bg1"/>
+                </a:solidFill>
+                <a:effectLst/>
+              </a:rPr>
+              <a:t>Makes</a:t>
+            </a:r>
+            <a:r>
+              <a:rPr lang="es-ES" sz="1200" b="0" dirty="0">
+                <a:solidFill>
+                  <a:schemeClr val="bg1"/>
+                </a:solidFill>
+                <a:effectLst/>
+              </a:rPr>
+              <a:t> Hemingway </a:t>
+            </a:r>
+            <a:r>
+              <a:rPr lang="es-ES" sz="1200" b="0" dirty="0" err="1">
+                <a:solidFill>
+                  <a:schemeClr val="bg1"/>
+                </a:solidFill>
+                <a:effectLst/>
+              </a:rPr>
+              <a:t>Hemingway</a:t>
+            </a:r>
+            <a:r>
+              <a:rPr lang="es-ES" sz="1200" b="0" dirty="0">
+                <a:solidFill>
+                  <a:schemeClr val="bg1"/>
+                </a:solidFill>
+                <a:effectLst/>
+              </a:rPr>
+              <a:t>? A </a:t>
+            </a:r>
+            <a:r>
+              <a:rPr lang="es-ES" sz="1200" b="0" dirty="0" err="1">
+                <a:solidFill>
+                  <a:schemeClr val="bg1"/>
+                </a:solidFill>
+                <a:effectLst/>
+              </a:rPr>
+              <a:t>statistical</a:t>
+            </a:r>
+            <a:r>
+              <a:rPr lang="es-ES" sz="1200" b="0" dirty="0">
+                <a:solidFill>
+                  <a:schemeClr val="bg1"/>
+                </a:solidFill>
+                <a:effectLst/>
+              </a:rPr>
+              <a:t> </a:t>
+            </a:r>
+            <a:r>
+              <a:rPr lang="es-ES" sz="1200" b="0" dirty="0" err="1">
+                <a:solidFill>
+                  <a:schemeClr val="bg1"/>
+                </a:solidFill>
+                <a:effectLst/>
+              </a:rPr>
+              <a:t>analysis</a:t>
+            </a:r>
+            <a:r>
+              <a:rPr lang="es-ES" sz="1200" b="0" dirty="0">
+                <a:solidFill>
+                  <a:schemeClr val="bg1"/>
+                </a:solidFill>
+                <a:effectLst/>
+              </a:rPr>
+              <a:t> </a:t>
+            </a:r>
+            <a:r>
+              <a:rPr lang="es-ES" sz="1200" b="0" dirty="0" err="1">
+                <a:solidFill>
+                  <a:schemeClr val="bg1"/>
+                </a:solidFill>
+                <a:effectLst/>
+              </a:rPr>
+              <a:t>of</a:t>
+            </a:r>
+            <a:r>
+              <a:rPr lang="es-ES" sz="1200" b="0" dirty="0">
+                <a:solidFill>
+                  <a:schemeClr val="bg1"/>
+                </a:solidFill>
+                <a:effectLst/>
+              </a:rPr>
+              <a:t> </a:t>
+            </a:r>
+            <a:r>
+              <a:rPr lang="es-ES" sz="1200" b="0" dirty="0" err="1">
+                <a:solidFill>
+                  <a:schemeClr val="bg1"/>
+                </a:solidFill>
+                <a:effectLst/>
+              </a:rPr>
+              <a:t>the</a:t>
+            </a:r>
+            <a:r>
+              <a:rPr lang="es-ES" sz="1200" b="0" dirty="0">
+                <a:solidFill>
+                  <a:schemeClr val="bg1"/>
+                </a:solidFill>
+                <a:effectLst/>
+              </a:rPr>
+              <a:t> data </a:t>
+            </a:r>
+            <a:r>
+              <a:rPr lang="es-ES" sz="1200" b="0" dirty="0" err="1">
+                <a:solidFill>
+                  <a:schemeClr val="bg1"/>
+                </a:solidFill>
+                <a:effectLst/>
+              </a:rPr>
+              <a:t>behind</a:t>
+            </a:r>
+            <a:r>
+              <a:rPr lang="es-ES" sz="1200" b="0" dirty="0">
+                <a:solidFill>
+                  <a:schemeClr val="bg1"/>
+                </a:solidFill>
+                <a:effectLst/>
+              </a:rPr>
+              <a:t> </a:t>
+            </a:r>
+            <a:r>
+              <a:rPr lang="es-ES" sz="1200" b="0" dirty="0" err="1">
+                <a:solidFill>
+                  <a:schemeClr val="bg1"/>
+                </a:solidFill>
+                <a:effectLst/>
+              </a:rPr>
+              <a:t>Hemingway’s</a:t>
+            </a:r>
+            <a:r>
+              <a:rPr lang="es-ES" sz="1200" b="0" dirty="0">
+                <a:solidFill>
+                  <a:schemeClr val="bg1"/>
+                </a:solidFill>
+                <a:effectLst/>
+              </a:rPr>
+              <a:t> </a:t>
+            </a:r>
+            <a:r>
+              <a:rPr lang="es-ES" sz="1200" b="0" dirty="0" err="1">
+                <a:solidFill>
+                  <a:schemeClr val="bg1"/>
+                </a:solidFill>
+                <a:effectLst/>
+              </a:rPr>
+              <a:t>style</a:t>
+            </a:r>
+            <a:r>
+              <a:rPr lang="es-ES" sz="1200" b="0" dirty="0">
+                <a:solidFill>
+                  <a:schemeClr val="bg1"/>
+                </a:solidFill>
+                <a:effectLst/>
+              </a:rPr>
+              <a:t>”, </a:t>
+            </a:r>
+            <a:r>
+              <a:rPr lang="es-ES" sz="1200" b="0" dirty="0" err="1">
+                <a:solidFill>
+                  <a:schemeClr val="bg1"/>
+                </a:solidFill>
+                <a:effectLst/>
+              </a:rPr>
+              <a:t>The</a:t>
+            </a:r>
+            <a:r>
+              <a:rPr lang="es-ES" sz="1200" b="0" dirty="0">
+                <a:solidFill>
+                  <a:schemeClr val="bg1"/>
+                </a:solidFill>
+                <a:effectLst/>
+              </a:rPr>
+              <a:t> </a:t>
+            </a:r>
+            <a:r>
+              <a:rPr lang="es-ES" sz="1200" b="0" dirty="0" err="1">
+                <a:solidFill>
+                  <a:schemeClr val="bg1"/>
+                </a:solidFill>
+                <a:effectLst/>
+              </a:rPr>
+              <a:t>LitCharts</a:t>
+            </a:r>
+            <a:r>
+              <a:rPr lang="es-ES" sz="1200" b="0" dirty="0">
+                <a:solidFill>
+                  <a:schemeClr val="bg1"/>
+                </a:solidFill>
+                <a:effectLst/>
+              </a:rPr>
+              <a:t> Blog, 2018, https://www.litcharts.com/blog/analitics/what-makes-hemingway/.</a:t>
+            </a:r>
+          </a:p>
+          <a:p>
+            <a:br>
+              <a:rPr lang="es-ES" sz="1200" b="0" dirty="0">
+                <a:solidFill>
+                  <a:schemeClr val="bg1"/>
+                </a:solidFill>
+                <a:effectLst/>
+              </a:rPr>
+            </a:br>
+            <a:r>
+              <a:rPr lang="es-ES" sz="1200" b="0" dirty="0">
+                <a:solidFill>
+                  <a:schemeClr val="bg1"/>
+                </a:solidFill>
+                <a:effectLst/>
+              </a:rPr>
+              <a:t>- </a:t>
+            </a:r>
+            <a:r>
+              <a:rPr lang="es-ES" sz="1200" b="0" dirty="0" err="1">
+                <a:solidFill>
+                  <a:schemeClr val="bg1"/>
+                </a:solidFill>
+                <a:effectLst/>
+              </a:rPr>
+              <a:t>Savoy</a:t>
+            </a:r>
+            <a:r>
+              <a:rPr lang="es-ES" sz="1200" b="0" dirty="0">
+                <a:solidFill>
+                  <a:schemeClr val="bg1"/>
+                </a:solidFill>
+                <a:effectLst/>
+              </a:rPr>
+              <a:t>, Jacques. </a:t>
+            </a:r>
+            <a:r>
+              <a:rPr lang="es-ES" sz="1200" b="0" i="1" dirty="0">
+                <a:solidFill>
+                  <a:schemeClr val="bg1"/>
+                </a:solidFill>
+                <a:effectLst/>
+              </a:rPr>
+              <a:t>Machine </a:t>
+            </a:r>
+            <a:r>
+              <a:rPr lang="es-ES" sz="1200" b="0" i="1" dirty="0" err="1">
+                <a:solidFill>
+                  <a:schemeClr val="bg1"/>
+                </a:solidFill>
+                <a:effectLst/>
+              </a:rPr>
+              <a:t>Learning</a:t>
+            </a:r>
+            <a:r>
+              <a:rPr lang="es-ES" sz="1200" b="0" i="1" dirty="0">
+                <a:solidFill>
+                  <a:schemeClr val="bg1"/>
+                </a:solidFill>
+                <a:effectLst/>
+              </a:rPr>
+              <a:t> </a:t>
+            </a:r>
+            <a:r>
+              <a:rPr lang="es-ES" sz="1200" b="0" i="1" dirty="0" err="1">
+                <a:solidFill>
+                  <a:schemeClr val="bg1"/>
+                </a:solidFill>
+                <a:effectLst/>
+              </a:rPr>
+              <a:t>Methods</a:t>
+            </a:r>
+            <a:r>
+              <a:rPr lang="es-ES" sz="1200" b="0" i="1" dirty="0">
+                <a:solidFill>
+                  <a:schemeClr val="bg1"/>
+                </a:solidFill>
+                <a:effectLst/>
+              </a:rPr>
+              <a:t> </a:t>
+            </a:r>
+            <a:r>
+              <a:rPr lang="es-ES" sz="1200" b="0" i="1" dirty="0" err="1">
+                <a:solidFill>
+                  <a:schemeClr val="bg1"/>
+                </a:solidFill>
+                <a:effectLst/>
+              </a:rPr>
+              <a:t>for</a:t>
+            </a:r>
+            <a:r>
+              <a:rPr lang="es-ES" sz="1200" b="0" i="1" dirty="0">
+                <a:solidFill>
+                  <a:schemeClr val="bg1"/>
+                </a:solidFill>
+                <a:effectLst/>
+              </a:rPr>
+              <a:t> </a:t>
+            </a:r>
+            <a:r>
+              <a:rPr lang="es-ES" sz="1200" b="0" i="1" dirty="0" err="1">
+                <a:solidFill>
+                  <a:schemeClr val="bg1"/>
+                </a:solidFill>
+                <a:effectLst/>
+              </a:rPr>
+              <a:t>Stylometry</a:t>
+            </a:r>
+            <a:r>
+              <a:rPr lang="es-ES" sz="1200" b="0" i="1" dirty="0">
+                <a:solidFill>
+                  <a:schemeClr val="bg1"/>
+                </a:solidFill>
+                <a:effectLst/>
+              </a:rPr>
+              <a:t>. </a:t>
+            </a:r>
+            <a:r>
+              <a:rPr lang="es-ES" sz="1200" b="0" i="1" dirty="0" err="1">
+                <a:solidFill>
+                  <a:schemeClr val="bg1"/>
+                </a:solidFill>
+                <a:effectLst/>
+              </a:rPr>
+              <a:t>Authorship</a:t>
+            </a:r>
+            <a:r>
+              <a:rPr lang="es-ES" sz="1200" b="0" i="1" dirty="0">
+                <a:solidFill>
+                  <a:schemeClr val="bg1"/>
+                </a:solidFill>
+                <a:effectLst/>
+              </a:rPr>
+              <a:t> </a:t>
+            </a:r>
+            <a:r>
+              <a:rPr lang="es-ES" sz="1200" b="0" i="1" dirty="0" err="1">
+                <a:solidFill>
+                  <a:schemeClr val="bg1"/>
+                </a:solidFill>
+                <a:effectLst/>
+              </a:rPr>
+              <a:t>Attribution</a:t>
+            </a:r>
+            <a:r>
+              <a:rPr lang="es-ES" sz="1200" b="0" i="1" dirty="0">
+                <a:solidFill>
+                  <a:schemeClr val="bg1"/>
+                </a:solidFill>
+                <a:effectLst/>
+              </a:rPr>
+              <a:t> and </a:t>
+            </a:r>
+            <a:r>
+              <a:rPr lang="es-ES" sz="1200" b="0" i="1" dirty="0" err="1">
+                <a:solidFill>
+                  <a:schemeClr val="bg1"/>
+                </a:solidFill>
+                <a:effectLst/>
+              </a:rPr>
+              <a:t>Author</a:t>
+            </a:r>
+            <a:r>
+              <a:rPr lang="es-ES" sz="1200" b="0" i="1" dirty="0">
+                <a:solidFill>
+                  <a:schemeClr val="bg1"/>
+                </a:solidFill>
+                <a:effectLst/>
+              </a:rPr>
+              <a:t> </a:t>
+            </a:r>
+            <a:r>
+              <a:rPr lang="es-ES" sz="1200" b="0" i="1" dirty="0" err="1">
+                <a:solidFill>
+                  <a:schemeClr val="bg1"/>
+                </a:solidFill>
+                <a:effectLst/>
+              </a:rPr>
+              <a:t>Profiling</a:t>
+            </a:r>
+            <a:r>
+              <a:rPr lang="es-ES" sz="1200" b="0" dirty="0">
+                <a:solidFill>
+                  <a:schemeClr val="bg1"/>
+                </a:solidFill>
+                <a:effectLst/>
+              </a:rPr>
+              <a:t>, Springer, Cham (Suiza), 2020.</a:t>
+            </a:r>
+          </a:p>
+        </p:txBody>
+      </p:sp>
     </p:spTree>
     <p:extLst>
       <p:ext uri="{BB962C8B-B14F-4D97-AF65-F5344CB8AC3E}">
@@ -14133,10 +14935,10 @@
       </p:pic>
       <p:pic>
         <p:nvPicPr>
-          <p:cNvPr id="13" name="Imagen 12" descr="Gráfico, Histograma&#10;&#10;Descripción generada automáticamente">
-            <a:extLst>
-              <a:ext uri="{FF2B5EF4-FFF2-40B4-BE49-F238E27FC236}">
-                <a16:creationId xmlns:a16="http://schemas.microsoft.com/office/drawing/2014/main" id="{40ADF73C-0400-75DE-065B-3A8B202FAE03}"/>
+          <p:cNvPr id="5" name="Imagen 4" descr="Gráfico, Histograma&#10;&#10;Descripción generada automáticamente">
+            <a:extLst>
+              <a:ext uri="{FF2B5EF4-FFF2-40B4-BE49-F238E27FC236}">
+                <a16:creationId xmlns:a16="http://schemas.microsoft.com/office/drawing/2014/main" id="{B1904BF8-C451-AFD3-FF68-1F3727B476E0}"/>
               </a:ext>
             </a:extLst>
           </p:cNvPr>
@@ -14153,8 +14955,8 @@
         </p:blipFill>
         <p:spPr>
           <a:xfrm>
-            <a:off x="8322043" y="3588325"/>
-            <a:ext cx="3320314" cy="2604729"/>
+            <a:off x="8297646" y="3588325"/>
+            <a:ext cx="3320315" cy="2604729"/>
           </a:xfrm>
           <a:prstGeom prst="rect">
             <a:avLst/>
@@ -15916,6 +16718,15 @@
 </file>
 
 <file path=customXml/item1.xml><?xml version="1.0" encoding="utf-8"?>
+<?mso-contentType ?>
+<FormTemplates xmlns="http://schemas.microsoft.com/sharepoint/v3/contenttype/forms">
+  <Display>DocumentLibraryForm</Display>
+  <Edit>DocumentLibraryForm</Edit>
+  <New>DocumentLibraryForm</New>
+</FormTemplates>
+</file>
+
+<file path=customXml/item2.xml><?xml version="1.0" encoding="utf-8"?>
 <ct:contentTypeSchema xmlns:ct="http://schemas.microsoft.com/office/2006/metadata/contentType" xmlns:ma="http://schemas.microsoft.com/office/2006/metadata/properties/metaAttributes" ct:_="" ma:_="" ma:contentTypeName="Document" ma:contentTypeID="0x01010079F111ED35F8CC479449609E8A0923A6" ma:contentTypeVersion="20" ma:contentTypeDescription="Create a new document." ma:contentTypeScope="" ma:versionID="1267097ee5f5874adfcc408041ae252e">
   <xsd:schema xmlns:xsd="http://www.w3.org/2001/XMLSchema" xmlns:xs="http://www.w3.org/2001/XMLSchema" xmlns:p="http://schemas.microsoft.com/office/2006/metadata/properties" xmlns:ns1="http://schemas.microsoft.com/sharepoint/v3" xmlns:ns2="71af3243-3dd4-4a8d-8c0d-dd76da1f02a5" xmlns:ns3="16c05727-aa75-4e4a-9b5f-8a80a1165891" xmlns:ns4="230e9df3-be65-4c73-a93b-d1236ebd677e" targetNamespace="http://schemas.microsoft.com/office/2006/metadata/properties" ma:root="true" ma:fieldsID="395891a93df65b14727750f2c06c306c" ns1:_="" ns2:_="" ns3:_="" ns4:_="">
     <xsd:import namespace="http://schemas.microsoft.com/sharepoint/v3"/>
@@ -16191,15 +17002,6 @@
 </ct:contentTypeSchema>
 </file>
 
-<file path=customXml/item2.xml><?xml version="1.0" encoding="utf-8"?>
-<?mso-contentType ?>
-<FormTemplates xmlns="http://schemas.microsoft.com/sharepoint/v3/contenttype/forms">
-  <Display>DocumentLibraryForm</Display>
-  <Edit>DocumentLibraryForm</Edit>
-  <New>DocumentLibraryForm</New>
-</FormTemplates>
-</file>
-
 <file path=customXml/item3.xml><?xml version="1.0" encoding="utf-8"?>
 <p:properties xmlns:p="http://schemas.microsoft.com/office/2006/metadata/properties" xmlns:xsi="http://www.w3.org/2001/XMLSchema-instance" xmlns:pc="http://schemas.microsoft.com/office/infopath/2007/PartnerControls">
   <documentManagement>
@@ -16220,6 +17022,14 @@
 </file>
 
 <file path=customXml/itemProps1.xml><?xml version="1.0" encoding="utf-8"?>
+<ds:datastoreItem xmlns:ds="http://schemas.openxmlformats.org/officeDocument/2006/customXml" ds:itemID="{0FD6FE22-81A0-4500-AFD0-342D21BB9A2C}">
+  <ds:schemaRefs>
+    <ds:schemaRef ds:uri="http://schemas.microsoft.com/sharepoint/v3/contenttype/forms"/>
+  </ds:schemaRefs>
+</ds:datastoreItem>
+</file>
+
+<file path=customXml/itemProps2.xml><?xml version="1.0" encoding="utf-8"?>
 <ds:datastoreItem xmlns:ds="http://schemas.openxmlformats.org/officeDocument/2006/customXml" ds:itemID="{CC96B61E-1B64-430F-934F-7D1B90028029}">
   <ds:schemaRefs>
     <ds:schemaRef ds:uri="http://schemas.microsoft.com/office/2006/metadata/contentType"/>
@@ -16236,14 +17046,6 @@
     <ds:schemaRef ds:uri="http://purl.org/dc/elements/1.1/"/>
     <ds:schemaRef ds:uri="http://purl.org/dc/terms/"/>
     <ds:schemaRef ds:uri="http://schemas.microsoft.com/internal/obd"/>
-  </ds:schemaRefs>
-</ds:datastoreItem>
-</file>
-
-<file path=customXml/itemProps2.xml><?xml version="1.0" encoding="utf-8"?>
-<ds:datastoreItem xmlns:ds="http://schemas.openxmlformats.org/officeDocument/2006/customXml" ds:itemID="{0FD6FE22-81A0-4500-AFD0-342D21BB9A2C}">
-  <ds:schemaRefs>
-    <ds:schemaRef ds:uri="http://schemas.microsoft.com/sharepoint/v3/contenttype/forms"/>
   </ds:schemaRefs>
 </ds:datastoreItem>
 </file>
